--- a/estagio/Design portofino.pptx
+++ b/estagio/Design portofino.pptx
@@ -264,7 +264,7 @@
           <a:p>
             <a:fld id="{676D8E3A-10AA-4DA2-903E-328FFDD556AF}" type="datetimeFigureOut">
               <a:rPr lang="pt-BR" smtClean="0"/>
-              <a:t>17/08/2021</a:t>
+              <a:t>30/09/2021</a:t>
             </a:fld>
             <a:endParaRPr lang="pt-BR"/>
           </a:p>
@@ -462,7 +462,7 @@
           <a:p>
             <a:fld id="{676D8E3A-10AA-4DA2-903E-328FFDD556AF}" type="datetimeFigureOut">
               <a:rPr lang="pt-BR" smtClean="0"/>
-              <a:t>17/08/2021</a:t>
+              <a:t>30/09/2021</a:t>
             </a:fld>
             <a:endParaRPr lang="pt-BR"/>
           </a:p>
@@ -670,7 +670,7 @@
           <a:p>
             <a:fld id="{676D8E3A-10AA-4DA2-903E-328FFDD556AF}" type="datetimeFigureOut">
               <a:rPr lang="pt-BR" smtClean="0"/>
-              <a:t>17/08/2021</a:t>
+              <a:t>30/09/2021</a:t>
             </a:fld>
             <a:endParaRPr lang="pt-BR"/>
           </a:p>
@@ -868,7 +868,7 @@
           <a:p>
             <a:fld id="{676D8E3A-10AA-4DA2-903E-328FFDD556AF}" type="datetimeFigureOut">
               <a:rPr lang="pt-BR" smtClean="0"/>
-              <a:t>17/08/2021</a:t>
+              <a:t>30/09/2021</a:t>
             </a:fld>
             <a:endParaRPr lang="pt-BR"/>
           </a:p>
@@ -1143,7 +1143,7 @@
           <a:p>
             <a:fld id="{676D8E3A-10AA-4DA2-903E-328FFDD556AF}" type="datetimeFigureOut">
               <a:rPr lang="pt-BR" smtClean="0"/>
-              <a:t>17/08/2021</a:t>
+              <a:t>30/09/2021</a:t>
             </a:fld>
             <a:endParaRPr lang="pt-BR"/>
           </a:p>
@@ -1408,7 +1408,7 @@
           <a:p>
             <a:fld id="{676D8E3A-10AA-4DA2-903E-328FFDD556AF}" type="datetimeFigureOut">
               <a:rPr lang="pt-BR" smtClean="0"/>
-              <a:t>17/08/2021</a:t>
+              <a:t>30/09/2021</a:t>
             </a:fld>
             <a:endParaRPr lang="pt-BR"/>
           </a:p>
@@ -1820,7 +1820,7 @@
           <a:p>
             <a:fld id="{676D8E3A-10AA-4DA2-903E-328FFDD556AF}" type="datetimeFigureOut">
               <a:rPr lang="pt-BR" smtClean="0"/>
-              <a:t>17/08/2021</a:t>
+              <a:t>30/09/2021</a:t>
             </a:fld>
             <a:endParaRPr lang="pt-BR"/>
           </a:p>
@@ -1961,7 +1961,7 @@
           <a:p>
             <a:fld id="{676D8E3A-10AA-4DA2-903E-328FFDD556AF}" type="datetimeFigureOut">
               <a:rPr lang="pt-BR" smtClean="0"/>
-              <a:t>17/08/2021</a:t>
+              <a:t>30/09/2021</a:t>
             </a:fld>
             <a:endParaRPr lang="pt-BR"/>
           </a:p>
@@ -2074,7 +2074,7 @@
           <a:p>
             <a:fld id="{676D8E3A-10AA-4DA2-903E-328FFDD556AF}" type="datetimeFigureOut">
               <a:rPr lang="pt-BR" smtClean="0"/>
-              <a:t>17/08/2021</a:t>
+              <a:t>30/09/2021</a:t>
             </a:fld>
             <a:endParaRPr lang="pt-BR"/>
           </a:p>
@@ -2385,7 +2385,7 @@
           <a:p>
             <a:fld id="{676D8E3A-10AA-4DA2-903E-328FFDD556AF}" type="datetimeFigureOut">
               <a:rPr lang="pt-BR" smtClean="0"/>
-              <a:t>17/08/2021</a:t>
+              <a:t>30/09/2021</a:t>
             </a:fld>
             <a:endParaRPr lang="pt-BR"/>
           </a:p>
@@ -2673,7 +2673,7 @@
           <a:p>
             <a:fld id="{676D8E3A-10AA-4DA2-903E-328FFDD556AF}" type="datetimeFigureOut">
               <a:rPr lang="pt-BR" smtClean="0"/>
-              <a:t>17/08/2021</a:t>
+              <a:t>30/09/2021</a:t>
             </a:fld>
             <a:endParaRPr lang="pt-BR"/>
           </a:p>
@@ -2914,7 +2914,7 @@
           <a:p>
             <a:fld id="{676D8E3A-10AA-4DA2-903E-328FFDD556AF}" type="datetimeFigureOut">
               <a:rPr lang="pt-BR" smtClean="0"/>
-              <a:t>17/08/2021</a:t>
+              <a:t>30/09/2021</a:t>
             </a:fld>
             <a:endParaRPr lang="pt-BR"/>
           </a:p>
@@ -3399,7 +3399,7 @@
           </p:cNvPicPr>
           <p:nvPr/>
         </p:nvPicPr>
-        <p:blipFill>
+        <p:blipFill rotWithShape="1">
           <a:blip r:embed="rId2">
             <a:extLst>
               <a:ext uri="{28A0092B-C50C-407E-A947-70E740481C1C}">
@@ -3407,14 +3407,13 @@
               </a:ext>
             </a:extLst>
           </a:blip>
-          <a:stretch>
-            <a:fillRect/>
-          </a:stretch>
+          <a:srcRect l="4615" r="3139"/>
+          <a:stretch/>
         </p:blipFill>
         <p:spPr>
           <a:xfrm>
-            <a:off x="6858000" y="1664744"/>
-            <a:ext cx="5334000" cy="3909205"/>
+            <a:off x="6850966" y="1556074"/>
+            <a:ext cx="4920399" cy="3909205"/>
           </a:xfrm>
           <a:prstGeom prst="rect">
             <a:avLst/>
@@ -3483,113 +3482,92 @@
           </a:p>
         </p:txBody>
       </p:sp>
-      <p:grpSp>
-        <p:nvGrpSpPr>
-          <p:cNvPr id="22" name="Agrupar 21">
-            <a:extLst>
-              <a:ext uri="{FF2B5EF4-FFF2-40B4-BE49-F238E27FC236}">
-                <a16:creationId xmlns:a16="http://schemas.microsoft.com/office/drawing/2014/main" id="{45215252-76D7-4B26-BD09-E54BFE2EA9CD}"/>
-              </a:ext>
-            </a:extLst>
-          </p:cNvPr>
-          <p:cNvGrpSpPr/>
+      <p:sp>
+        <p:nvSpPr>
+          <p:cNvPr id="15" name="CaixaDeTexto 14">
+            <a:extLst>
+              <a:ext uri="{FF2B5EF4-FFF2-40B4-BE49-F238E27FC236}">
+                <a16:creationId xmlns:a16="http://schemas.microsoft.com/office/drawing/2014/main" id="{AD61A472-632D-4033-B81D-E49BB539E0FC}"/>
+              </a:ext>
+            </a:extLst>
+          </p:cNvPr>
+          <p:cNvSpPr txBox="1"/>
           <p:nvPr/>
-        </p:nvGrpSpPr>
-        <p:grpSpPr>
+        </p:nvSpPr>
+        <p:spPr>
+          <a:xfrm>
+            <a:off x="4857016" y="168242"/>
+            <a:ext cx="2937122" cy="400110"/>
+          </a:xfrm>
+          <a:prstGeom prst="rect">
+            <a:avLst/>
+          </a:prstGeom>
+          <a:noFill/>
+        </p:spPr>
+        <p:txBody>
+          <a:bodyPr wrap="square" rtlCol="0">
+            <a:spAutoFit/>
+          </a:bodyPr>
+          <a:lstStyle/>
+          <a:p>
+            <a:pPr algn="ctr"/>
+            <a:r>
+              <a:rPr lang="pt-BR" sz="2000" b="1" dirty="0">
+                <a:solidFill>
+                  <a:srgbClr val="004166"/>
+                </a:solidFill>
+                <a:latin typeface="DIN Next LT Pro" panose="020B0503020203050203" pitchFamily="34" charset="0"/>
+              </a:rPr>
+              <a:t>PortoFino</a:t>
+            </a:r>
+            <a:r>
+              <a:rPr lang="pt-BR" sz="2000" dirty="0">
+                <a:solidFill>
+                  <a:srgbClr val="004166"/>
+                </a:solidFill>
+                <a:latin typeface="DIN Next LT Pro" panose="020B0503020203050203" pitchFamily="34" charset="0"/>
+              </a:rPr>
+              <a:t> Contabilidade</a:t>
+            </a:r>
+          </a:p>
+        </p:txBody>
+      </p:sp>
+      <p:pic>
+        <p:nvPicPr>
+          <p:cNvPr id="21" name="Imagem 20" descr="Logotipo, Ícone&#10;&#10;Descrição gerada automaticamente">
+            <a:extLst>
+              <a:ext uri="{FF2B5EF4-FFF2-40B4-BE49-F238E27FC236}">
+                <a16:creationId xmlns:a16="http://schemas.microsoft.com/office/drawing/2014/main" id="{D0D4FD39-10FD-47B3-9AE9-0F25C202E0E7}"/>
+              </a:ext>
+            </a:extLst>
+          </p:cNvPr>
+          <p:cNvPicPr>
+            <a:picLocks noChangeAspect="1"/>
+          </p:cNvPicPr>
+          <p:nvPr/>
+        </p:nvPicPr>
+        <p:blipFill>
+          <a:blip r:embed="rId3">
+            <a:extLst>
+              <a:ext uri="{28A0092B-C50C-407E-A947-70E740481C1C}">
+                <a14:useLocalDpi xmlns:a14="http://schemas.microsoft.com/office/drawing/2010/main" val="0"/>
+              </a:ext>
+            </a:extLst>
+          </a:blip>
+          <a:stretch>
+            <a:fillRect/>
+          </a:stretch>
+        </p:blipFill>
+        <p:spPr>
           <a:xfrm>
             <a:off x="4261670" y="74636"/>
-            <a:ext cx="3532468" cy="576000"/>
-            <a:chOff x="3866832" y="74636"/>
-            <a:chExt cx="3532468" cy="576000"/>
+            <a:ext cx="768264" cy="576000"/>
           </a:xfrm>
-        </p:grpSpPr>
-        <p:sp>
-          <p:nvSpPr>
-            <p:cNvPr id="15" name="CaixaDeTexto 14">
-              <a:extLst>
-                <a:ext uri="{FF2B5EF4-FFF2-40B4-BE49-F238E27FC236}">
-                  <a16:creationId xmlns:a16="http://schemas.microsoft.com/office/drawing/2014/main" id="{AD61A472-632D-4033-B81D-E49BB539E0FC}"/>
-                </a:ext>
-              </a:extLst>
-            </p:cNvPr>
-            <p:cNvSpPr txBox="1"/>
-            <p:nvPr/>
-          </p:nvSpPr>
-          <p:spPr>
-            <a:xfrm>
-              <a:off x="4462178" y="168242"/>
-              <a:ext cx="2937122" cy="400110"/>
-            </a:xfrm>
-            <a:prstGeom prst="rect">
-              <a:avLst/>
-            </a:prstGeom>
-            <a:noFill/>
-          </p:spPr>
-          <p:txBody>
-            <a:bodyPr wrap="square" rtlCol="0">
-              <a:spAutoFit/>
-            </a:bodyPr>
-            <a:lstStyle/>
-            <a:p>
-              <a:pPr algn="ctr"/>
-              <a:r>
-                <a:rPr lang="pt-BR" sz="2000" b="1" dirty="0">
-                  <a:solidFill>
-                    <a:srgbClr val="004166"/>
-                  </a:solidFill>
-                  <a:latin typeface="DIN Next LT Pro" panose="020B0503020203050203" pitchFamily="34" charset="0"/>
-                </a:rPr>
-                <a:t>PortoFino</a:t>
-              </a:r>
-              <a:r>
-                <a:rPr lang="pt-BR" sz="2000" dirty="0">
-                  <a:solidFill>
-                    <a:srgbClr val="004166"/>
-                  </a:solidFill>
-                  <a:latin typeface="DIN Next LT Pro" panose="020B0503020203050203" pitchFamily="34" charset="0"/>
-                </a:rPr>
-                <a:t> Contabilidade</a:t>
-              </a:r>
-            </a:p>
-          </p:txBody>
-        </p:sp>
-        <p:pic>
-          <p:nvPicPr>
-            <p:cNvPr id="21" name="Imagem 20" descr="Logotipo, Ícone&#10;&#10;Descrição gerada automaticamente">
-              <a:extLst>
-                <a:ext uri="{FF2B5EF4-FFF2-40B4-BE49-F238E27FC236}">
-                  <a16:creationId xmlns:a16="http://schemas.microsoft.com/office/drawing/2014/main" id="{D0D4FD39-10FD-47B3-9AE9-0F25C202E0E7}"/>
-                </a:ext>
-              </a:extLst>
-            </p:cNvPr>
-            <p:cNvPicPr>
-              <a:picLocks noChangeAspect="1"/>
-            </p:cNvPicPr>
-            <p:nvPr/>
-          </p:nvPicPr>
-          <p:blipFill>
-            <a:blip r:embed="rId3">
-              <a:extLst>
-                <a:ext uri="{28A0092B-C50C-407E-A947-70E740481C1C}">
-                  <a14:useLocalDpi xmlns:a14="http://schemas.microsoft.com/office/drawing/2010/main" val="0"/>
-                </a:ext>
-              </a:extLst>
-            </a:blip>
-            <a:stretch>
-              <a:fillRect/>
-            </a:stretch>
-          </p:blipFill>
-          <p:spPr>
-            <a:xfrm>
-              <a:off x="3866832" y="74636"/>
-              <a:ext cx="768264" cy="576000"/>
-            </a:xfrm>
-            <a:prstGeom prst="rect">
-              <a:avLst/>
-            </a:prstGeom>
-          </p:spPr>
-        </p:pic>
-      </p:grpSp>
+          <a:prstGeom prst="rect">
+            <a:avLst/>
+          </a:prstGeom>
+        </p:spPr>
+      </p:pic>
       <p:grpSp>
         <p:nvGrpSpPr>
           <p:cNvPr id="32" name="Agrupar 31">
